--- a/BigData/同程爬虫/分析.pptx
+++ b/BigData/同程爬虫/分析.pptx
@@ -7148,7 +7148,7 @@
           <a:lstStyle/>
           <a:p>
             <a:pPr algn="ctr"/>
-            <a:endParaRPr lang="zh-CN" altLang="en-US">
+            <a:endParaRPr lang="zh-CN" altLang="en-US" dirty="0">
               <a:cs typeface="+mn-ea"/>
               <a:sym typeface="+mn-lt"/>
             </a:endParaRPr>
@@ -7748,7 +7748,7 @@
         <p:random/>
       </p:transition>
     </mc:Choice>
-    <mc:Fallback xmlns="" xmlns:a16="http://schemas.microsoft.com/office/drawing/2014/main">
+    <mc:Fallback xmlns:a16="http://schemas.microsoft.com/office/drawing/2014/main" xmlns="">
       <p:transition spd="slow" advTm="4078">
         <p:random/>
       </p:transition>
@@ -9767,7 +9767,7 @@
         <p:random/>
       </p:transition>
     </mc:Choice>
-    <mc:Fallback xmlns="" xmlns:a16="http://schemas.microsoft.com/office/drawing/2014/main">
+    <mc:Fallback xmlns:a16="http://schemas.microsoft.com/office/drawing/2014/main" xmlns="">
       <p:transition spd="slow" advTm="1708">
         <p:random/>
       </p:transition>
@@ -14158,7 +14158,7 @@
         <p:random/>
       </p:transition>
     </mc:Choice>
-    <mc:Fallback xmlns="" xmlns:a16="http://schemas.microsoft.com/office/drawing/2014/main">
+    <mc:Fallback xmlns:a16="http://schemas.microsoft.com/office/drawing/2014/main" xmlns="">
       <p:transition spd="slow" advTm="1708">
         <p:random/>
       </p:transition>
@@ -15869,7 +15869,7 @@
         </p:nvSpPr>
         <p:spPr>
           <a:xfrm rot="5400000">
-            <a:off x="-800101" y="2705724"/>
+            <a:off x="-800101" y="2705723"/>
             <a:ext cx="9454243" cy="1446550"/>
           </a:xfrm>
           <a:prstGeom prst="rect">
@@ -17469,7 +17469,7 @@
         <p:random/>
       </p:transition>
     </mc:Choice>
-    <mc:Fallback xmlns="" xmlns:a16="http://schemas.microsoft.com/office/drawing/2014/main">
+    <mc:Fallback xmlns:a16="http://schemas.microsoft.com/office/drawing/2014/main" xmlns="">
       <p:transition spd="slow" advTm="6426">
         <p:random/>
       </p:transition>
@@ -21903,7 +21903,7 @@
         <p:random/>
       </p:transition>
     </mc:Choice>
-    <mc:Fallback xmlns="" xmlns:a16="http://schemas.microsoft.com/office/drawing/2014/main">
+    <mc:Fallback xmlns:a16="http://schemas.microsoft.com/office/drawing/2014/main" xmlns="">
       <p:transition spd="slow" advTm="1708">
         <p:random/>
       </p:transition>
@@ -26033,7 +26033,7 @@
         <p:random/>
       </p:transition>
     </mc:Choice>
-    <mc:Fallback xmlns="" xmlns:a16="http://schemas.microsoft.com/office/drawing/2014/main">
+    <mc:Fallback xmlns:a16="http://schemas.microsoft.com/office/drawing/2014/main" xmlns="">
       <p:transition spd="slow" advTm="1595">
         <p:random/>
       </p:transition>
@@ -26804,7 +26804,7 @@
         <p:random/>
       </p:transition>
     </mc:Choice>
-    <mc:Fallback xmlns="" xmlns:a16="http://schemas.microsoft.com/office/drawing/2014/main">
+    <mc:Fallback xmlns:a16="http://schemas.microsoft.com/office/drawing/2014/main" xmlns="">
       <p:transition spd="slow" advTm="3074">
         <p:random/>
       </p:transition>
@@ -27474,7 +27474,7 @@
         <p:random/>
       </p:transition>
     </mc:Choice>
-    <mc:Fallback xmlns="" xmlns:a16="http://schemas.microsoft.com/office/drawing/2014/main">
+    <mc:Fallback xmlns:a16="http://schemas.microsoft.com/office/drawing/2014/main" xmlns="">
       <p:transition spd="slow" advTm="1594">
         <p:random/>
       </p:transition>
@@ -28580,7 +28580,7 @@
         <p:random/>
       </p:transition>
     </mc:Choice>
-    <mc:Fallback xmlns="" xmlns:a16="http://schemas.microsoft.com/office/drawing/2014/main">
+    <mc:Fallback xmlns:a16="http://schemas.microsoft.com/office/drawing/2014/main" xmlns="">
       <p:transition spd="slow" advTm="3880">
         <p:random/>
       </p:transition>
@@ -30293,7 +30293,7 @@
         <p:random/>
       </p:transition>
     </mc:Choice>
-    <mc:Fallback xmlns="" xmlns:a16="http://schemas.microsoft.com/office/drawing/2014/main" xmlns:a14="http://schemas.microsoft.com/office/drawing/2010/main">
+    <mc:Fallback xmlns:a14="http://schemas.microsoft.com/office/drawing/2010/main" xmlns:a16="http://schemas.microsoft.com/office/drawing/2014/main" xmlns="">
       <p:transition spd="slow" advTm="3414">
         <p:random/>
       </p:transition>
@@ -31476,7 +31476,7 @@
         <p:random/>
       </p:transition>
     </mc:Choice>
-    <mc:Fallback xmlns="" xmlns:a16="http://schemas.microsoft.com/office/drawing/2014/main">
+    <mc:Fallback xmlns:a16="http://schemas.microsoft.com/office/drawing/2014/main" xmlns="">
       <p:transition spd="slow" advTm="1708">
         <p:random/>
       </p:transition>
